--- a/system-analysis-design/slides/9-System Analysis and Design Course 2023 2nd Semester.pptx
+++ b/system-analysis-design/slides/9-System Analysis and Design Course 2023 2nd Semester.pptx
@@ -29179,23 +29179,7 @@
                   <a:schemeClr val="tx1"/>
                 </a:solidFill>
               </a:rPr>
-              <a:t> (</a:t>
-            </a:r>
-            <a:r>
-              <a:rPr lang="en-US" sz="1200" dirty="0" err="1">
-                <a:solidFill>
-                  <a:schemeClr val="tx1"/>
-                </a:solidFill>
-              </a:rPr>
-              <a:t>marikotagawa@gmail.com</a:t>
-            </a:r>
-            <a:r>
-              <a:rPr lang="en-US" sz="1200" dirty="0">
-                <a:solidFill>
-                  <a:schemeClr val="tx1"/>
-                </a:solidFill>
-              </a:rPr>
-              <a:t>), JICA volunteer</a:t>
+              <a:t>, JICA volunteer</a:t>
             </a:r>
           </a:p>
         </p:txBody>
@@ -30012,30 +29996,18 @@
                 <a:ea typeface="MS PGothic" panose="020B0600070205080204" pitchFamily="34" charset="-128"/>
                 <a:hlinkClick r:id="rId3"/>
               </a:rPr>
-              <a:t>https://</a:t>
+              <a:t>https://forms.gle/Z3sbWeDMZ7d2XUAe6</a:t>
             </a:r>
-            <a:r>
-              <a:rPr lang="en-US" sz="2000" dirty="0" err="1">
-                <a:solidFill>
-                  <a:schemeClr val="tx1"/>
-                </a:solidFill>
-                <a:latin typeface="MS PGothic" panose="020B0600070205080204" pitchFamily="34" charset="-128"/>
-                <a:ea typeface="MS PGothic" panose="020B0600070205080204" pitchFamily="34" charset="-128"/>
-                <a:hlinkClick r:id="rId3"/>
-              </a:rPr>
-              <a:t>forms.gle</a:t>
-            </a:r>
-            <a:r>
-              <a:rPr lang="en-US" sz="2000" dirty="0">
-                <a:solidFill>
-                  <a:schemeClr val="tx1"/>
-                </a:solidFill>
-                <a:latin typeface="MS PGothic" panose="020B0600070205080204" pitchFamily="34" charset="-128"/>
-                <a:ea typeface="MS PGothic" panose="020B0600070205080204" pitchFamily="34" charset="-128"/>
-                <a:hlinkClick r:id="rId3"/>
-              </a:rPr>
-              <a:t>/NogxtZwruq6sJmG97</a:t>
-            </a:r>
+            <a:endParaRPr lang="en-US" sz="2000" dirty="0">
+              <a:solidFill>
+                <a:schemeClr val="tx1"/>
+              </a:solidFill>
+              <a:latin typeface="MS PGothic" panose="020B0600070205080204" pitchFamily="34" charset="-128"/>
+              <a:ea typeface="MS PGothic" panose="020B0600070205080204" pitchFamily="34" charset="-128"/>
+            </a:endParaRPr>
+          </a:p>
+          <a:p>
+            <a:pPr marL="139700"/>
             <a:endParaRPr lang="en-US" sz="2000" dirty="0">
               <a:solidFill>
                 <a:schemeClr val="tx1"/>
@@ -33037,30 +33009,18 @@
                 <a:ea typeface="MS PGothic" panose="020B0600070205080204" pitchFamily="34" charset="-128"/>
                 <a:hlinkClick r:id="rId3"/>
               </a:rPr>
-              <a:t>https://</a:t>
+              <a:t>https://forms.gle/vYrTnQ9xRED4aocQA</a:t>
             </a:r>
-            <a:r>
-              <a:rPr lang="en-US" sz="2000" dirty="0" err="1">
-                <a:solidFill>
-                  <a:schemeClr val="tx1"/>
-                </a:solidFill>
-                <a:latin typeface="MS PGothic" panose="020B0600070205080204" pitchFamily="34" charset="-128"/>
-                <a:ea typeface="MS PGothic" panose="020B0600070205080204" pitchFamily="34" charset="-128"/>
-                <a:hlinkClick r:id="rId3"/>
-              </a:rPr>
-              <a:t>forms.gle</a:t>
-            </a:r>
-            <a:r>
-              <a:rPr lang="en-US" sz="2000" dirty="0">
-                <a:solidFill>
-                  <a:schemeClr val="tx1"/>
-                </a:solidFill>
-                <a:latin typeface="MS PGothic" panose="020B0600070205080204" pitchFamily="34" charset="-128"/>
-                <a:ea typeface="MS PGothic" panose="020B0600070205080204" pitchFamily="34" charset="-128"/>
-                <a:hlinkClick r:id="rId3"/>
-              </a:rPr>
-              <a:t>/Q1VTWWKfF938Xppr7</a:t>
-            </a:r>
+            <a:endParaRPr lang="en-US" sz="2000" dirty="0">
+              <a:solidFill>
+                <a:schemeClr val="tx1"/>
+              </a:solidFill>
+              <a:latin typeface="MS PGothic" panose="020B0600070205080204" pitchFamily="34" charset="-128"/>
+              <a:ea typeface="MS PGothic" panose="020B0600070205080204" pitchFamily="34" charset="-128"/>
+            </a:endParaRPr>
+          </a:p>
+          <a:p>
+            <a:pPr marL="139700"/>
             <a:endParaRPr lang="en-US" sz="2000" dirty="0">
               <a:solidFill>
                 <a:schemeClr val="tx1"/>
@@ -33609,22 +33569,20 @@
           <a:lstStyle/>
           <a:p>
             <a:r>
-              <a:rPr lang="en-US" altLang="ja-JP" sz="1800" b="0" i="0" dirty="0">
+              <a:rPr lang="en-US" altLang="ja-JP" sz="1800" dirty="0">
                 <a:solidFill>
                   <a:schemeClr val="tx1"/>
                 </a:solidFill>
-                <a:effectLst/>
                 <a:latin typeface="MS PGothic" panose="020B0600070205080204" pitchFamily="34" charset="-128"/>
                 <a:ea typeface="MS PGothic" panose="020B0600070205080204" pitchFamily="34" charset="-128"/>
                 <a:hlinkClick r:id="rId3"/>
               </a:rPr>
-              <a:t>https://forms.gle/7S3S4ftW1YXCnCWGA</a:t>
+              <a:t>https://forms.gle/xtnbtugKwDr9NCvw7</a:t>
             </a:r>
-            <a:endParaRPr lang="en-US" altLang="ja-JP" sz="1800" b="0" i="0" dirty="0">
+            <a:endParaRPr lang="en-US" altLang="ja-JP" sz="1800" dirty="0">
               <a:solidFill>
                 <a:schemeClr val="tx1"/>
               </a:solidFill>
-              <a:effectLst/>
               <a:latin typeface="MS PGothic" panose="020B0600070205080204" pitchFamily="34" charset="-128"/>
               <a:ea typeface="MS PGothic" panose="020B0600070205080204" pitchFamily="34" charset="-128"/>
             </a:endParaRPr>
